--- a/ppt 16-9/1284.我是一个小孩.pptx
+++ b/ppt 16-9/1284.我是一个小孩.pptx
@@ -5,7 +5,7 @@
     <p:sldMasterId id="2147483648" r:id="rId1"/>
   </p:sldMasterIdLst>
   <p:sldIdLst>
-    <p:sldId id="833" r:id="rId2"/>
+    <p:sldId id="834" r:id="rId2"/>
   </p:sldIdLst>
   <p:sldSz cx="12192000" cy="6858000"/>
   <p:notesSz cx="6858000" cy="9144000"/>
@@ -129,7 +129,7 @@
           <p:cNvPr id="2" name="标题 1">
             <a:extLst>
               <a:ext uri="{FF2B5EF4-FFF2-40B4-BE49-F238E27FC236}">
-                <a16:creationId xmlns:a16="http://schemas.microsoft.com/office/drawing/2014/main" id="{0AB70EE8-1D7E-9463-36B3-B5CCA8640BFA}"/>
+                <a16:creationId xmlns:a16="http://schemas.microsoft.com/office/drawing/2014/main" id="{C55CF13F-664E-CB55-2635-E74C9CBF8DA4}"/>
               </a:ext>
             </a:extLst>
           </p:cNvPr>
@@ -166,7 +166,7 @@
           <p:cNvPr id="3" name="副标题 2">
             <a:extLst>
               <a:ext uri="{FF2B5EF4-FFF2-40B4-BE49-F238E27FC236}">
-                <a16:creationId xmlns:a16="http://schemas.microsoft.com/office/drawing/2014/main" id="{63943948-2423-B51D-8207-340657B0D52D}"/>
+                <a16:creationId xmlns:a16="http://schemas.microsoft.com/office/drawing/2014/main" id="{56F9F89F-47F3-B117-AA4A-655D385F3A1B}"/>
               </a:ext>
             </a:extLst>
           </p:cNvPr>
@@ -236,7 +236,7 @@
           <p:cNvPr id="4" name="日期占位符 3">
             <a:extLst>
               <a:ext uri="{FF2B5EF4-FFF2-40B4-BE49-F238E27FC236}">
-                <a16:creationId xmlns:a16="http://schemas.microsoft.com/office/drawing/2014/main" id="{7F39FCCE-008E-A8DD-AF12-DDEA51CD544A}"/>
+                <a16:creationId xmlns:a16="http://schemas.microsoft.com/office/drawing/2014/main" id="{710E4532-C6FA-48D7-4E56-C3318A7B2B25}"/>
               </a:ext>
             </a:extLst>
           </p:cNvPr>
@@ -252,7 +252,7 @@
           <a:bodyPr/>
           <a:lstStyle/>
           <a:p>
-            <a:fld id="{78363DEA-8543-4CAB-AAF9-1CF9CA4486DD}" type="datetimeFigureOut">
+            <a:fld id="{777CB5A9-D69A-43F3-9AE9-8300D0A12833}" type="datetimeFigureOut">
               <a:rPr lang="zh-CN" altLang="en-US" smtClean="0"/>
               <a:t>2024/3/10</a:t>
             </a:fld>
@@ -265,7 +265,7 @@
           <p:cNvPr id="5" name="页脚占位符 4">
             <a:extLst>
               <a:ext uri="{FF2B5EF4-FFF2-40B4-BE49-F238E27FC236}">
-                <a16:creationId xmlns:a16="http://schemas.microsoft.com/office/drawing/2014/main" id="{D9FE4DE6-057A-A86F-70AF-55BF7F735D2C}"/>
+                <a16:creationId xmlns:a16="http://schemas.microsoft.com/office/drawing/2014/main" id="{066C6795-5EFF-3167-EB61-16C484426ECD}"/>
               </a:ext>
             </a:extLst>
           </p:cNvPr>
@@ -290,7 +290,7 @@
           <p:cNvPr id="6" name="灯片编号占位符 5">
             <a:extLst>
               <a:ext uri="{FF2B5EF4-FFF2-40B4-BE49-F238E27FC236}">
-                <a16:creationId xmlns:a16="http://schemas.microsoft.com/office/drawing/2014/main" id="{E1E2C11B-0AE2-427B-5649-9C098C04D4A9}"/>
+                <a16:creationId xmlns:a16="http://schemas.microsoft.com/office/drawing/2014/main" id="{6A6D7B9D-AC8E-9BB7-92CD-AC89D43CA77F}"/>
               </a:ext>
             </a:extLst>
           </p:cNvPr>
@@ -306,7 +306,7 @@
           <a:bodyPr/>
           <a:lstStyle/>
           <a:p>
-            <a:fld id="{514BFBC7-DD1C-4F0E-B0AA-3DC711657F51}" type="slidenum">
+            <a:fld id="{D9393ECC-3885-4978-8938-521C76BCBBA2}" type="slidenum">
               <a:rPr lang="zh-CN" altLang="en-US" smtClean="0"/>
               <a:t>‹#›</a:t>
             </a:fld>
@@ -317,7 +317,7 @@
     </p:spTree>
     <p:extLst>
       <p:ext uri="{BB962C8B-B14F-4D97-AF65-F5344CB8AC3E}">
-        <p14:creationId xmlns:p14="http://schemas.microsoft.com/office/powerpoint/2010/main" val="259152496"/>
+        <p14:creationId xmlns:p14="http://schemas.microsoft.com/office/powerpoint/2010/main" val="2656409005"/>
       </p:ext>
     </p:extLst>
   </p:cSld>
@@ -349,7 +349,7 @@
           <p:cNvPr id="2" name="标题 1">
             <a:extLst>
               <a:ext uri="{FF2B5EF4-FFF2-40B4-BE49-F238E27FC236}">
-                <a16:creationId xmlns:a16="http://schemas.microsoft.com/office/drawing/2014/main" id="{33677866-0F1F-17D2-2E13-C54EF7836F3C}"/>
+                <a16:creationId xmlns:a16="http://schemas.microsoft.com/office/drawing/2014/main" id="{1A6B76DC-E488-DF70-88A6-980254934823}"/>
               </a:ext>
             </a:extLst>
           </p:cNvPr>
@@ -377,7 +377,7 @@
           <p:cNvPr id="3" name="竖排文字占位符 2">
             <a:extLst>
               <a:ext uri="{FF2B5EF4-FFF2-40B4-BE49-F238E27FC236}">
-                <a16:creationId xmlns:a16="http://schemas.microsoft.com/office/drawing/2014/main" id="{17278D66-D8AB-1E49-A120-F238BDADD90F}"/>
+                <a16:creationId xmlns:a16="http://schemas.microsoft.com/office/drawing/2014/main" id="{F3B11EF7-E21D-4EA2-9C40-E9AAB929D9F9}"/>
               </a:ext>
             </a:extLst>
           </p:cNvPr>
@@ -434,7 +434,7 @@
           <p:cNvPr id="4" name="日期占位符 3">
             <a:extLst>
               <a:ext uri="{FF2B5EF4-FFF2-40B4-BE49-F238E27FC236}">
-                <a16:creationId xmlns:a16="http://schemas.microsoft.com/office/drawing/2014/main" id="{459F5D5B-672D-D38C-E334-5ADB4FA622BE}"/>
+                <a16:creationId xmlns:a16="http://schemas.microsoft.com/office/drawing/2014/main" id="{F1A375CB-4ECD-A8C0-55B3-E0B50884CD04}"/>
               </a:ext>
             </a:extLst>
           </p:cNvPr>
@@ -450,7 +450,7 @@
           <a:bodyPr/>
           <a:lstStyle/>
           <a:p>
-            <a:fld id="{78363DEA-8543-4CAB-AAF9-1CF9CA4486DD}" type="datetimeFigureOut">
+            <a:fld id="{777CB5A9-D69A-43F3-9AE9-8300D0A12833}" type="datetimeFigureOut">
               <a:rPr lang="zh-CN" altLang="en-US" smtClean="0"/>
               <a:t>2024/3/10</a:t>
             </a:fld>
@@ -463,7 +463,7 @@
           <p:cNvPr id="5" name="页脚占位符 4">
             <a:extLst>
               <a:ext uri="{FF2B5EF4-FFF2-40B4-BE49-F238E27FC236}">
-                <a16:creationId xmlns:a16="http://schemas.microsoft.com/office/drawing/2014/main" id="{68EC4679-81F5-9FAE-EE6D-13FF8BE43288}"/>
+                <a16:creationId xmlns:a16="http://schemas.microsoft.com/office/drawing/2014/main" id="{D56A51FB-9AF7-1455-BEAD-A73ACF0613B6}"/>
               </a:ext>
             </a:extLst>
           </p:cNvPr>
@@ -488,7 +488,7 @@
           <p:cNvPr id="6" name="灯片编号占位符 5">
             <a:extLst>
               <a:ext uri="{FF2B5EF4-FFF2-40B4-BE49-F238E27FC236}">
-                <a16:creationId xmlns:a16="http://schemas.microsoft.com/office/drawing/2014/main" id="{EBFD83C8-5327-A0DD-BD8E-FC6D3EEF4986}"/>
+                <a16:creationId xmlns:a16="http://schemas.microsoft.com/office/drawing/2014/main" id="{BB809CEF-449D-269A-5628-0A756C925B9A}"/>
               </a:ext>
             </a:extLst>
           </p:cNvPr>
@@ -504,7 +504,7 @@
           <a:bodyPr/>
           <a:lstStyle/>
           <a:p>
-            <a:fld id="{514BFBC7-DD1C-4F0E-B0AA-3DC711657F51}" type="slidenum">
+            <a:fld id="{D9393ECC-3885-4978-8938-521C76BCBBA2}" type="slidenum">
               <a:rPr lang="zh-CN" altLang="en-US" smtClean="0"/>
               <a:t>‹#›</a:t>
             </a:fld>
@@ -515,7 +515,7 @@
     </p:spTree>
     <p:extLst>
       <p:ext uri="{BB962C8B-B14F-4D97-AF65-F5344CB8AC3E}">
-        <p14:creationId xmlns:p14="http://schemas.microsoft.com/office/powerpoint/2010/main" val="2006231803"/>
+        <p14:creationId xmlns:p14="http://schemas.microsoft.com/office/powerpoint/2010/main" val="3484698547"/>
       </p:ext>
     </p:extLst>
   </p:cSld>
@@ -547,7 +547,7 @@
           <p:cNvPr id="2" name="竖排标题 1">
             <a:extLst>
               <a:ext uri="{FF2B5EF4-FFF2-40B4-BE49-F238E27FC236}">
-                <a16:creationId xmlns:a16="http://schemas.microsoft.com/office/drawing/2014/main" id="{6D9AF3B6-4589-C01A-EECB-B8D190B801B4}"/>
+                <a16:creationId xmlns:a16="http://schemas.microsoft.com/office/drawing/2014/main" id="{4A718852-0586-9717-A2AB-EC6F1303FE76}"/>
               </a:ext>
             </a:extLst>
           </p:cNvPr>
@@ -580,7 +580,7 @@
           <p:cNvPr id="3" name="竖排文字占位符 2">
             <a:extLst>
               <a:ext uri="{FF2B5EF4-FFF2-40B4-BE49-F238E27FC236}">
-                <a16:creationId xmlns:a16="http://schemas.microsoft.com/office/drawing/2014/main" id="{7FBB1EB0-3FA4-79B2-114B-D9981F16BF88}"/>
+                <a16:creationId xmlns:a16="http://schemas.microsoft.com/office/drawing/2014/main" id="{C3013101-D57C-77F8-5E69-825C629615D0}"/>
               </a:ext>
             </a:extLst>
           </p:cNvPr>
@@ -642,7 +642,7 @@
           <p:cNvPr id="4" name="日期占位符 3">
             <a:extLst>
               <a:ext uri="{FF2B5EF4-FFF2-40B4-BE49-F238E27FC236}">
-                <a16:creationId xmlns:a16="http://schemas.microsoft.com/office/drawing/2014/main" id="{A05665AD-3577-BABE-6281-3FFF915C72B2}"/>
+                <a16:creationId xmlns:a16="http://schemas.microsoft.com/office/drawing/2014/main" id="{39B1628C-ADE4-E269-8A99-2516B27C01CB}"/>
               </a:ext>
             </a:extLst>
           </p:cNvPr>
@@ -658,7 +658,7 @@
           <a:bodyPr/>
           <a:lstStyle/>
           <a:p>
-            <a:fld id="{78363DEA-8543-4CAB-AAF9-1CF9CA4486DD}" type="datetimeFigureOut">
+            <a:fld id="{777CB5A9-D69A-43F3-9AE9-8300D0A12833}" type="datetimeFigureOut">
               <a:rPr lang="zh-CN" altLang="en-US" smtClean="0"/>
               <a:t>2024/3/10</a:t>
             </a:fld>
@@ -671,7 +671,7 @@
           <p:cNvPr id="5" name="页脚占位符 4">
             <a:extLst>
               <a:ext uri="{FF2B5EF4-FFF2-40B4-BE49-F238E27FC236}">
-                <a16:creationId xmlns:a16="http://schemas.microsoft.com/office/drawing/2014/main" id="{4F8AF380-282D-6CF6-B546-62DE236A4AC0}"/>
+                <a16:creationId xmlns:a16="http://schemas.microsoft.com/office/drawing/2014/main" id="{67EE8FFD-DDA6-F93C-06BB-7CF810E275A4}"/>
               </a:ext>
             </a:extLst>
           </p:cNvPr>
@@ -696,7 +696,7 @@
           <p:cNvPr id="6" name="灯片编号占位符 5">
             <a:extLst>
               <a:ext uri="{FF2B5EF4-FFF2-40B4-BE49-F238E27FC236}">
-                <a16:creationId xmlns:a16="http://schemas.microsoft.com/office/drawing/2014/main" id="{F10937AD-48BA-F16C-4403-A72118C64027}"/>
+                <a16:creationId xmlns:a16="http://schemas.microsoft.com/office/drawing/2014/main" id="{93D4CFDA-DCB6-0FCA-82BB-4E14704B9BDD}"/>
               </a:ext>
             </a:extLst>
           </p:cNvPr>
@@ -712,7 +712,7 @@
           <a:bodyPr/>
           <a:lstStyle/>
           <a:p>
-            <a:fld id="{514BFBC7-DD1C-4F0E-B0AA-3DC711657F51}" type="slidenum">
+            <a:fld id="{D9393ECC-3885-4978-8938-521C76BCBBA2}" type="slidenum">
               <a:rPr lang="zh-CN" altLang="en-US" smtClean="0"/>
               <a:t>‹#›</a:t>
             </a:fld>
@@ -723,7 +723,7 @@
     </p:spTree>
     <p:extLst>
       <p:ext uri="{BB962C8B-B14F-4D97-AF65-F5344CB8AC3E}">
-        <p14:creationId xmlns:p14="http://schemas.microsoft.com/office/powerpoint/2010/main" val="363067769"/>
+        <p14:creationId xmlns:p14="http://schemas.microsoft.com/office/powerpoint/2010/main" val="1689379557"/>
       </p:ext>
     </p:extLst>
   </p:cSld>
@@ -755,7 +755,7 @@
           <p:cNvPr id="2" name="标题 1">
             <a:extLst>
               <a:ext uri="{FF2B5EF4-FFF2-40B4-BE49-F238E27FC236}">
-                <a16:creationId xmlns:a16="http://schemas.microsoft.com/office/drawing/2014/main" id="{1C369D17-34FE-683C-A777-4C0CEF1D63CA}"/>
+                <a16:creationId xmlns:a16="http://schemas.microsoft.com/office/drawing/2014/main" id="{DF4532B7-6EC2-A1B7-5641-E93A6BA4634B}"/>
               </a:ext>
             </a:extLst>
           </p:cNvPr>
@@ -783,7 +783,7 @@
           <p:cNvPr id="3" name="内容占位符 2">
             <a:extLst>
               <a:ext uri="{FF2B5EF4-FFF2-40B4-BE49-F238E27FC236}">
-                <a16:creationId xmlns:a16="http://schemas.microsoft.com/office/drawing/2014/main" id="{18E317CB-277B-C108-A012-F48278A4C1FF}"/>
+                <a16:creationId xmlns:a16="http://schemas.microsoft.com/office/drawing/2014/main" id="{2752973F-4C73-DE02-3555-6867D1A45135}"/>
               </a:ext>
             </a:extLst>
           </p:cNvPr>
@@ -840,7 +840,7 @@
           <p:cNvPr id="4" name="日期占位符 3">
             <a:extLst>
               <a:ext uri="{FF2B5EF4-FFF2-40B4-BE49-F238E27FC236}">
-                <a16:creationId xmlns:a16="http://schemas.microsoft.com/office/drawing/2014/main" id="{18526364-1114-3FF1-6494-4DF55DC1F8E5}"/>
+                <a16:creationId xmlns:a16="http://schemas.microsoft.com/office/drawing/2014/main" id="{EF6210F8-AF89-890E-31A5-8533F538C77A}"/>
               </a:ext>
             </a:extLst>
           </p:cNvPr>
@@ -856,7 +856,7 @@
           <a:bodyPr/>
           <a:lstStyle/>
           <a:p>
-            <a:fld id="{78363DEA-8543-4CAB-AAF9-1CF9CA4486DD}" type="datetimeFigureOut">
+            <a:fld id="{777CB5A9-D69A-43F3-9AE9-8300D0A12833}" type="datetimeFigureOut">
               <a:rPr lang="zh-CN" altLang="en-US" smtClean="0"/>
               <a:t>2024/3/10</a:t>
             </a:fld>
@@ -869,7 +869,7 @@
           <p:cNvPr id="5" name="页脚占位符 4">
             <a:extLst>
               <a:ext uri="{FF2B5EF4-FFF2-40B4-BE49-F238E27FC236}">
-                <a16:creationId xmlns:a16="http://schemas.microsoft.com/office/drawing/2014/main" id="{53974CC1-5FA4-7E7E-01B7-E3FE7941117E}"/>
+                <a16:creationId xmlns:a16="http://schemas.microsoft.com/office/drawing/2014/main" id="{926C27DF-0B1C-5E33-C93E-376D0B28BC09}"/>
               </a:ext>
             </a:extLst>
           </p:cNvPr>
@@ -894,7 +894,7 @@
           <p:cNvPr id="6" name="灯片编号占位符 5">
             <a:extLst>
               <a:ext uri="{FF2B5EF4-FFF2-40B4-BE49-F238E27FC236}">
-                <a16:creationId xmlns:a16="http://schemas.microsoft.com/office/drawing/2014/main" id="{B924660C-F334-5C33-D82A-E287C0087B47}"/>
+                <a16:creationId xmlns:a16="http://schemas.microsoft.com/office/drawing/2014/main" id="{1014BEB7-030B-686D-A2FD-0E901648EE55}"/>
               </a:ext>
             </a:extLst>
           </p:cNvPr>
@@ -910,7 +910,7 @@
           <a:bodyPr/>
           <a:lstStyle/>
           <a:p>
-            <a:fld id="{514BFBC7-DD1C-4F0E-B0AA-3DC711657F51}" type="slidenum">
+            <a:fld id="{D9393ECC-3885-4978-8938-521C76BCBBA2}" type="slidenum">
               <a:rPr lang="zh-CN" altLang="en-US" smtClean="0"/>
               <a:t>‹#›</a:t>
             </a:fld>
@@ -921,7 +921,7 @@
     </p:spTree>
     <p:extLst>
       <p:ext uri="{BB962C8B-B14F-4D97-AF65-F5344CB8AC3E}">
-        <p14:creationId xmlns:p14="http://schemas.microsoft.com/office/powerpoint/2010/main" val="3036568433"/>
+        <p14:creationId xmlns:p14="http://schemas.microsoft.com/office/powerpoint/2010/main" val="105021052"/>
       </p:ext>
     </p:extLst>
   </p:cSld>
@@ -953,7 +953,7 @@
           <p:cNvPr id="2" name="标题 1">
             <a:extLst>
               <a:ext uri="{FF2B5EF4-FFF2-40B4-BE49-F238E27FC236}">
-                <a16:creationId xmlns:a16="http://schemas.microsoft.com/office/drawing/2014/main" id="{42E665DC-D9DC-BB13-D92D-D14FBE929DA2}"/>
+                <a16:creationId xmlns:a16="http://schemas.microsoft.com/office/drawing/2014/main" id="{B66ECF19-EE88-19B3-5358-492ED7DE0BAB}"/>
               </a:ext>
             </a:extLst>
           </p:cNvPr>
@@ -990,7 +990,7 @@
           <p:cNvPr id="3" name="文本占位符 2">
             <a:extLst>
               <a:ext uri="{FF2B5EF4-FFF2-40B4-BE49-F238E27FC236}">
-                <a16:creationId xmlns:a16="http://schemas.microsoft.com/office/drawing/2014/main" id="{19BB1EE8-AF05-8C53-D0FB-166ADE663719}"/>
+                <a16:creationId xmlns:a16="http://schemas.microsoft.com/office/drawing/2014/main" id="{B27B63CC-D60E-905A-D8F6-0FF187847831}"/>
               </a:ext>
             </a:extLst>
           </p:cNvPr>
@@ -1115,7 +1115,7 @@
           <p:cNvPr id="4" name="日期占位符 3">
             <a:extLst>
               <a:ext uri="{FF2B5EF4-FFF2-40B4-BE49-F238E27FC236}">
-                <a16:creationId xmlns:a16="http://schemas.microsoft.com/office/drawing/2014/main" id="{1FC18032-976F-63EC-1680-596E33D6DE7F}"/>
+                <a16:creationId xmlns:a16="http://schemas.microsoft.com/office/drawing/2014/main" id="{67D8DF1A-D19F-E523-62C1-BFF9904B6BA0}"/>
               </a:ext>
             </a:extLst>
           </p:cNvPr>
@@ -1131,7 +1131,7 @@
           <a:bodyPr/>
           <a:lstStyle/>
           <a:p>
-            <a:fld id="{78363DEA-8543-4CAB-AAF9-1CF9CA4486DD}" type="datetimeFigureOut">
+            <a:fld id="{777CB5A9-D69A-43F3-9AE9-8300D0A12833}" type="datetimeFigureOut">
               <a:rPr lang="zh-CN" altLang="en-US" smtClean="0"/>
               <a:t>2024/3/10</a:t>
             </a:fld>
@@ -1144,7 +1144,7 @@
           <p:cNvPr id="5" name="页脚占位符 4">
             <a:extLst>
               <a:ext uri="{FF2B5EF4-FFF2-40B4-BE49-F238E27FC236}">
-                <a16:creationId xmlns:a16="http://schemas.microsoft.com/office/drawing/2014/main" id="{C10374F9-E5DC-C9D1-4FC1-0E3D728076CE}"/>
+                <a16:creationId xmlns:a16="http://schemas.microsoft.com/office/drawing/2014/main" id="{9478D18D-BA5F-E0BC-7087-364F56D14DC9}"/>
               </a:ext>
             </a:extLst>
           </p:cNvPr>
@@ -1169,7 +1169,7 @@
           <p:cNvPr id="6" name="灯片编号占位符 5">
             <a:extLst>
               <a:ext uri="{FF2B5EF4-FFF2-40B4-BE49-F238E27FC236}">
-                <a16:creationId xmlns:a16="http://schemas.microsoft.com/office/drawing/2014/main" id="{B3EABCE0-D8FB-5500-A713-5B9461E34297}"/>
+                <a16:creationId xmlns:a16="http://schemas.microsoft.com/office/drawing/2014/main" id="{A922D27D-CCFD-F816-C185-D93C5FB265D2}"/>
               </a:ext>
             </a:extLst>
           </p:cNvPr>
@@ -1185,7 +1185,7 @@
           <a:bodyPr/>
           <a:lstStyle/>
           <a:p>
-            <a:fld id="{514BFBC7-DD1C-4F0E-B0AA-3DC711657F51}" type="slidenum">
+            <a:fld id="{D9393ECC-3885-4978-8938-521C76BCBBA2}" type="slidenum">
               <a:rPr lang="zh-CN" altLang="en-US" smtClean="0"/>
               <a:t>‹#›</a:t>
             </a:fld>
@@ -1196,7 +1196,7 @@
     </p:spTree>
     <p:extLst>
       <p:ext uri="{BB962C8B-B14F-4D97-AF65-F5344CB8AC3E}">
-        <p14:creationId xmlns:p14="http://schemas.microsoft.com/office/powerpoint/2010/main" val="289902738"/>
+        <p14:creationId xmlns:p14="http://schemas.microsoft.com/office/powerpoint/2010/main" val="488230830"/>
       </p:ext>
     </p:extLst>
   </p:cSld>
@@ -1228,7 +1228,7 @@
           <p:cNvPr id="2" name="标题 1">
             <a:extLst>
               <a:ext uri="{FF2B5EF4-FFF2-40B4-BE49-F238E27FC236}">
-                <a16:creationId xmlns:a16="http://schemas.microsoft.com/office/drawing/2014/main" id="{3B2442B1-4FD3-95E9-3242-053AE4D2D48D}"/>
+                <a16:creationId xmlns:a16="http://schemas.microsoft.com/office/drawing/2014/main" id="{39398F07-24F6-D35D-9EAF-0198D7CDABF9}"/>
               </a:ext>
             </a:extLst>
           </p:cNvPr>
@@ -1256,7 +1256,7 @@
           <p:cNvPr id="3" name="内容占位符 2">
             <a:extLst>
               <a:ext uri="{FF2B5EF4-FFF2-40B4-BE49-F238E27FC236}">
-                <a16:creationId xmlns:a16="http://schemas.microsoft.com/office/drawing/2014/main" id="{742C3942-3C28-9D6E-6F89-079F757FD09F}"/>
+                <a16:creationId xmlns:a16="http://schemas.microsoft.com/office/drawing/2014/main" id="{A6BA9BEB-512A-CD11-1B3B-32C59DAF8AA2}"/>
               </a:ext>
             </a:extLst>
           </p:cNvPr>
@@ -1318,7 +1318,7 @@
           <p:cNvPr id="4" name="内容占位符 3">
             <a:extLst>
               <a:ext uri="{FF2B5EF4-FFF2-40B4-BE49-F238E27FC236}">
-                <a16:creationId xmlns:a16="http://schemas.microsoft.com/office/drawing/2014/main" id="{90FC9B1D-5A24-F519-C1E2-92223A654C79}"/>
+                <a16:creationId xmlns:a16="http://schemas.microsoft.com/office/drawing/2014/main" id="{B0839A99-DEDC-8DC9-D7C1-B9A7EA6D65DA}"/>
               </a:ext>
             </a:extLst>
           </p:cNvPr>
@@ -1380,7 +1380,7 @@
           <p:cNvPr id="5" name="日期占位符 4">
             <a:extLst>
               <a:ext uri="{FF2B5EF4-FFF2-40B4-BE49-F238E27FC236}">
-                <a16:creationId xmlns:a16="http://schemas.microsoft.com/office/drawing/2014/main" id="{98094E70-8F50-4A8B-F1D0-807AFBCAFA64}"/>
+                <a16:creationId xmlns:a16="http://schemas.microsoft.com/office/drawing/2014/main" id="{E573D2D3-F7C4-D8C7-2600-E6E613C13B29}"/>
               </a:ext>
             </a:extLst>
           </p:cNvPr>
@@ -1396,7 +1396,7 @@
           <a:bodyPr/>
           <a:lstStyle/>
           <a:p>
-            <a:fld id="{78363DEA-8543-4CAB-AAF9-1CF9CA4486DD}" type="datetimeFigureOut">
+            <a:fld id="{777CB5A9-D69A-43F3-9AE9-8300D0A12833}" type="datetimeFigureOut">
               <a:rPr lang="zh-CN" altLang="en-US" smtClean="0"/>
               <a:t>2024/3/10</a:t>
             </a:fld>
@@ -1409,7 +1409,7 @@
           <p:cNvPr id="6" name="页脚占位符 5">
             <a:extLst>
               <a:ext uri="{FF2B5EF4-FFF2-40B4-BE49-F238E27FC236}">
-                <a16:creationId xmlns:a16="http://schemas.microsoft.com/office/drawing/2014/main" id="{F737B495-1883-6CB9-140A-DB0BD00D5AF4}"/>
+                <a16:creationId xmlns:a16="http://schemas.microsoft.com/office/drawing/2014/main" id="{45818CBA-69AC-1B89-0C00-1D1245D113FA}"/>
               </a:ext>
             </a:extLst>
           </p:cNvPr>
@@ -1434,7 +1434,7 @@
           <p:cNvPr id="7" name="灯片编号占位符 6">
             <a:extLst>
               <a:ext uri="{FF2B5EF4-FFF2-40B4-BE49-F238E27FC236}">
-                <a16:creationId xmlns:a16="http://schemas.microsoft.com/office/drawing/2014/main" id="{BC0EF646-BD5B-D0CD-B6E6-A4A756A66A4D}"/>
+                <a16:creationId xmlns:a16="http://schemas.microsoft.com/office/drawing/2014/main" id="{A76A8F5D-131B-EAB1-DB16-65E6B7A50D13}"/>
               </a:ext>
             </a:extLst>
           </p:cNvPr>
@@ -1450,7 +1450,7 @@
           <a:bodyPr/>
           <a:lstStyle/>
           <a:p>
-            <a:fld id="{514BFBC7-DD1C-4F0E-B0AA-3DC711657F51}" type="slidenum">
+            <a:fld id="{D9393ECC-3885-4978-8938-521C76BCBBA2}" type="slidenum">
               <a:rPr lang="zh-CN" altLang="en-US" smtClean="0"/>
               <a:t>‹#›</a:t>
             </a:fld>
@@ -1461,7 +1461,7 @@
     </p:spTree>
     <p:extLst>
       <p:ext uri="{BB962C8B-B14F-4D97-AF65-F5344CB8AC3E}">
-        <p14:creationId xmlns:p14="http://schemas.microsoft.com/office/powerpoint/2010/main" val="2155639334"/>
+        <p14:creationId xmlns:p14="http://schemas.microsoft.com/office/powerpoint/2010/main" val="1267458793"/>
       </p:ext>
     </p:extLst>
   </p:cSld>
@@ -1493,7 +1493,7 @@
           <p:cNvPr id="2" name="标题 1">
             <a:extLst>
               <a:ext uri="{FF2B5EF4-FFF2-40B4-BE49-F238E27FC236}">
-                <a16:creationId xmlns:a16="http://schemas.microsoft.com/office/drawing/2014/main" id="{B20A339D-35C9-3FE6-9291-9AADEAFFFE69}"/>
+                <a16:creationId xmlns:a16="http://schemas.microsoft.com/office/drawing/2014/main" id="{7679DE9F-E9D8-382C-DF0A-44E309566CF8}"/>
               </a:ext>
             </a:extLst>
           </p:cNvPr>
@@ -1526,7 +1526,7 @@
           <p:cNvPr id="3" name="文本占位符 2">
             <a:extLst>
               <a:ext uri="{FF2B5EF4-FFF2-40B4-BE49-F238E27FC236}">
-                <a16:creationId xmlns:a16="http://schemas.microsoft.com/office/drawing/2014/main" id="{81A076EA-8DCB-3231-756C-97B61105F22D}"/>
+                <a16:creationId xmlns:a16="http://schemas.microsoft.com/office/drawing/2014/main" id="{079036B7-37DF-BCCC-F9CD-AC9D047F4FF6}"/>
               </a:ext>
             </a:extLst>
           </p:cNvPr>
@@ -1597,7 +1597,7 @@
           <p:cNvPr id="4" name="内容占位符 3">
             <a:extLst>
               <a:ext uri="{FF2B5EF4-FFF2-40B4-BE49-F238E27FC236}">
-                <a16:creationId xmlns:a16="http://schemas.microsoft.com/office/drawing/2014/main" id="{516C13FF-8798-3EC0-0CA1-71F28B9455B8}"/>
+                <a16:creationId xmlns:a16="http://schemas.microsoft.com/office/drawing/2014/main" id="{15EE49C6-3A2C-BE4C-B12A-143329E58D16}"/>
               </a:ext>
             </a:extLst>
           </p:cNvPr>
@@ -1659,7 +1659,7 @@
           <p:cNvPr id="5" name="文本占位符 4">
             <a:extLst>
               <a:ext uri="{FF2B5EF4-FFF2-40B4-BE49-F238E27FC236}">
-                <a16:creationId xmlns:a16="http://schemas.microsoft.com/office/drawing/2014/main" id="{79FABAE2-A790-BB57-02D5-D18BB59FE737}"/>
+                <a16:creationId xmlns:a16="http://schemas.microsoft.com/office/drawing/2014/main" id="{4C7C675A-FA28-52E1-BF86-BDED5FEE8D43}"/>
               </a:ext>
             </a:extLst>
           </p:cNvPr>
@@ -1730,7 +1730,7 @@
           <p:cNvPr id="6" name="内容占位符 5">
             <a:extLst>
               <a:ext uri="{FF2B5EF4-FFF2-40B4-BE49-F238E27FC236}">
-                <a16:creationId xmlns:a16="http://schemas.microsoft.com/office/drawing/2014/main" id="{E2D7CCCC-A3F5-A73F-8C24-5BBE874B835F}"/>
+                <a16:creationId xmlns:a16="http://schemas.microsoft.com/office/drawing/2014/main" id="{ADF844D1-E209-A7BB-B519-D80EC12BD142}"/>
               </a:ext>
             </a:extLst>
           </p:cNvPr>
@@ -1792,7 +1792,7 @@
           <p:cNvPr id="7" name="日期占位符 6">
             <a:extLst>
               <a:ext uri="{FF2B5EF4-FFF2-40B4-BE49-F238E27FC236}">
-                <a16:creationId xmlns:a16="http://schemas.microsoft.com/office/drawing/2014/main" id="{0243CDD4-3CCB-5091-9C04-E30DBBA9E664}"/>
+                <a16:creationId xmlns:a16="http://schemas.microsoft.com/office/drawing/2014/main" id="{E9C291BC-64B5-47E8-B792-423722BA8FB2}"/>
               </a:ext>
             </a:extLst>
           </p:cNvPr>
@@ -1808,7 +1808,7 @@
           <a:bodyPr/>
           <a:lstStyle/>
           <a:p>
-            <a:fld id="{78363DEA-8543-4CAB-AAF9-1CF9CA4486DD}" type="datetimeFigureOut">
+            <a:fld id="{777CB5A9-D69A-43F3-9AE9-8300D0A12833}" type="datetimeFigureOut">
               <a:rPr lang="zh-CN" altLang="en-US" smtClean="0"/>
               <a:t>2024/3/10</a:t>
             </a:fld>
@@ -1821,7 +1821,7 @@
           <p:cNvPr id="8" name="页脚占位符 7">
             <a:extLst>
               <a:ext uri="{FF2B5EF4-FFF2-40B4-BE49-F238E27FC236}">
-                <a16:creationId xmlns:a16="http://schemas.microsoft.com/office/drawing/2014/main" id="{4086E1C2-F4C3-A365-E219-F4823BA4045A}"/>
+                <a16:creationId xmlns:a16="http://schemas.microsoft.com/office/drawing/2014/main" id="{31533757-86DE-F910-22A2-142D1C2C3E51}"/>
               </a:ext>
             </a:extLst>
           </p:cNvPr>
@@ -1846,7 +1846,7 @@
           <p:cNvPr id="9" name="灯片编号占位符 8">
             <a:extLst>
               <a:ext uri="{FF2B5EF4-FFF2-40B4-BE49-F238E27FC236}">
-                <a16:creationId xmlns:a16="http://schemas.microsoft.com/office/drawing/2014/main" id="{F58E3352-B5B3-BECD-6A34-917E4F49C7C7}"/>
+                <a16:creationId xmlns:a16="http://schemas.microsoft.com/office/drawing/2014/main" id="{DA6A4DB2-DFCC-BEB7-0D17-9E3BABBA0FD6}"/>
               </a:ext>
             </a:extLst>
           </p:cNvPr>
@@ -1862,7 +1862,7 @@
           <a:bodyPr/>
           <a:lstStyle/>
           <a:p>
-            <a:fld id="{514BFBC7-DD1C-4F0E-B0AA-3DC711657F51}" type="slidenum">
+            <a:fld id="{D9393ECC-3885-4978-8938-521C76BCBBA2}" type="slidenum">
               <a:rPr lang="zh-CN" altLang="en-US" smtClean="0"/>
               <a:t>‹#›</a:t>
             </a:fld>
@@ -1873,7 +1873,7 @@
     </p:spTree>
     <p:extLst>
       <p:ext uri="{BB962C8B-B14F-4D97-AF65-F5344CB8AC3E}">
-        <p14:creationId xmlns:p14="http://schemas.microsoft.com/office/powerpoint/2010/main" val="3041378202"/>
+        <p14:creationId xmlns:p14="http://schemas.microsoft.com/office/powerpoint/2010/main" val="634250087"/>
       </p:ext>
     </p:extLst>
   </p:cSld>
@@ -1905,7 +1905,7 @@
           <p:cNvPr id="2" name="标题 1">
             <a:extLst>
               <a:ext uri="{FF2B5EF4-FFF2-40B4-BE49-F238E27FC236}">
-                <a16:creationId xmlns:a16="http://schemas.microsoft.com/office/drawing/2014/main" id="{3F821C9A-1275-316A-442E-1AAF6E304ACE}"/>
+                <a16:creationId xmlns:a16="http://schemas.microsoft.com/office/drawing/2014/main" id="{C5D2BCF0-B855-C804-FE45-F7A6868E55AE}"/>
               </a:ext>
             </a:extLst>
           </p:cNvPr>
@@ -1933,7 +1933,7 @@
           <p:cNvPr id="3" name="日期占位符 2">
             <a:extLst>
               <a:ext uri="{FF2B5EF4-FFF2-40B4-BE49-F238E27FC236}">
-                <a16:creationId xmlns:a16="http://schemas.microsoft.com/office/drawing/2014/main" id="{2F8CE98E-5DF4-E0B1-2E2A-EDE301B7C27C}"/>
+                <a16:creationId xmlns:a16="http://schemas.microsoft.com/office/drawing/2014/main" id="{E26AAAFA-2E9A-8E7F-5FB7-57690B5D036B}"/>
               </a:ext>
             </a:extLst>
           </p:cNvPr>
@@ -1949,7 +1949,7 @@
           <a:bodyPr/>
           <a:lstStyle/>
           <a:p>
-            <a:fld id="{78363DEA-8543-4CAB-AAF9-1CF9CA4486DD}" type="datetimeFigureOut">
+            <a:fld id="{777CB5A9-D69A-43F3-9AE9-8300D0A12833}" type="datetimeFigureOut">
               <a:rPr lang="zh-CN" altLang="en-US" smtClean="0"/>
               <a:t>2024/3/10</a:t>
             </a:fld>
@@ -1962,7 +1962,7 @@
           <p:cNvPr id="4" name="页脚占位符 3">
             <a:extLst>
               <a:ext uri="{FF2B5EF4-FFF2-40B4-BE49-F238E27FC236}">
-                <a16:creationId xmlns:a16="http://schemas.microsoft.com/office/drawing/2014/main" id="{A3112620-7DB3-B4BB-50F1-8DE642D0EB68}"/>
+                <a16:creationId xmlns:a16="http://schemas.microsoft.com/office/drawing/2014/main" id="{46515FBA-011B-D146-7158-AD79817FA381}"/>
               </a:ext>
             </a:extLst>
           </p:cNvPr>
@@ -1987,7 +1987,7 @@
           <p:cNvPr id="5" name="灯片编号占位符 4">
             <a:extLst>
               <a:ext uri="{FF2B5EF4-FFF2-40B4-BE49-F238E27FC236}">
-                <a16:creationId xmlns:a16="http://schemas.microsoft.com/office/drawing/2014/main" id="{B545ADD3-AF8D-8859-A3B5-A2C3A1C48CC0}"/>
+                <a16:creationId xmlns:a16="http://schemas.microsoft.com/office/drawing/2014/main" id="{B7975EDA-64BF-C9C8-EDAA-7F0FA4098986}"/>
               </a:ext>
             </a:extLst>
           </p:cNvPr>
@@ -2003,7 +2003,7 @@
           <a:bodyPr/>
           <a:lstStyle/>
           <a:p>
-            <a:fld id="{514BFBC7-DD1C-4F0E-B0AA-3DC711657F51}" type="slidenum">
+            <a:fld id="{D9393ECC-3885-4978-8938-521C76BCBBA2}" type="slidenum">
               <a:rPr lang="zh-CN" altLang="en-US" smtClean="0"/>
               <a:t>‹#›</a:t>
             </a:fld>
@@ -2014,7 +2014,7 @@
     </p:spTree>
     <p:extLst>
       <p:ext uri="{BB962C8B-B14F-4D97-AF65-F5344CB8AC3E}">
-        <p14:creationId xmlns:p14="http://schemas.microsoft.com/office/powerpoint/2010/main" val="2680183614"/>
+        <p14:creationId xmlns:p14="http://schemas.microsoft.com/office/powerpoint/2010/main" val="366368776"/>
       </p:ext>
     </p:extLst>
   </p:cSld>
@@ -2046,7 +2046,7 @@
           <p:cNvPr id="2" name="日期占位符 1">
             <a:extLst>
               <a:ext uri="{FF2B5EF4-FFF2-40B4-BE49-F238E27FC236}">
-                <a16:creationId xmlns:a16="http://schemas.microsoft.com/office/drawing/2014/main" id="{9118ADDD-31EC-FAB1-A47D-D87D29423E2D}"/>
+                <a16:creationId xmlns:a16="http://schemas.microsoft.com/office/drawing/2014/main" id="{E8E3512F-74F4-DC22-C088-C2004E83550D}"/>
               </a:ext>
             </a:extLst>
           </p:cNvPr>
@@ -2062,7 +2062,7 @@
           <a:bodyPr/>
           <a:lstStyle/>
           <a:p>
-            <a:fld id="{78363DEA-8543-4CAB-AAF9-1CF9CA4486DD}" type="datetimeFigureOut">
+            <a:fld id="{777CB5A9-D69A-43F3-9AE9-8300D0A12833}" type="datetimeFigureOut">
               <a:rPr lang="zh-CN" altLang="en-US" smtClean="0"/>
               <a:t>2024/3/10</a:t>
             </a:fld>
@@ -2075,7 +2075,7 @@
           <p:cNvPr id="3" name="页脚占位符 2">
             <a:extLst>
               <a:ext uri="{FF2B5EF4-FFF2-40B4-BE49-F238E27FC236}">
-                <a16:creationId xmlns:a16="http://schemas.microsoft.com/office/drawing/2014/main" id="{460E133F-3E26-D373-4287-5F53F299F8A0}"/>
+                <a16:creationId xmlns:a16="http://schemas.microsoft.com/office/drawing/2014/main" id="{0F73B93A-E693-D18C-DB80-0058FDE1E1B5}"/>
               </a:ext>
             </a:extLst>
           </p:cNvPr>
@@ -2100,7 +2100,7 @@
           <p:cNvPr id="4" name="灯片编号占位符 3">
             <a:extLst>
               <a:ext uri="{FF2B5EF4-FFF2-40B4-BE49-F238E27FC236}">
-                <a16:creationId xmlns:a16="http://schemas.microsoft.com/office/drawing/2014/main" id="{70DB9189-83F1-D9C6-4C09-E5E7F87D1F90}"/>
+                <a16:creationId xmlns:a16="http://schemas.microsoft.com/office/drawing/2014/main" id="{BC57C2D2-DF7E-8711-DF42-7BB8704D92CC}"/>
               </a:ext>
             </a:extLst>
           </p:cNvPr>
@@ -2116,7 +2116,7 @@
           <a:bodyPr/>
           <a:lstStyle/>
           <a:p>
-            <a:fld id="{514BFBC7-DD1C-4F0E-B0AA-3DC711657F51}" type="slidenum">
+            <a:fld id="{D9393ECC-3885-4978-8938-521C76BCBBA2}" type="slidenum">
               <a:rPr lang="zh-CN" altLang="en-US" smtClean="0"/>
               <a:t>‹#›</a:t>
             </a:fld>
@@ -2127,7 +2127,7 @@
     </p:spTree>
     <p:extLst>
       <p:ext uri="{BB962C8B-B14F-4D97-AF65-F5344CB8AC3E}">
-        <p14:creationId xmlns:p14="http://schemas.microsoft.com/office/powerpoint/2010/main" val="2831567353"/>
+        <p14:creationId xmlns:p14="http://schemas.microsoft.com/office/powerpoint/2010/main" val="3452759886"/>
       </p:ext>
     </p:extLst>
   </p:cSld>
@@ -2159,7 +2159,7 @@
           <p:cNvPr id="2" name="标题 1">
             <a:extLst>
               <a:ext uri="{FF2B5EF4-FFF2-40B4-BE49-F238E27FC236}">
-                <a16:creationId xmlns:a16="http://schemas.microsoft.com/office/drawing/2014/main" id="{729410D1-FA03-EC45-569E-F68A7A3AB36F}"/>
+                <a16:creationId xmlns:a16="http://schemas.microsoft.com/office/drawing/2014/main" id="{94D5507F-E864-2742-34AD-D8EE87E48055}"/>
               </a:ext>
             </a:extLst>
           </p:cNvPr>
@@ -2196,7 +2196,7 @@
           <p:cNvPr id="3" name="内容占位符 2">
             <a:extLst>
               <a:ext uri="{FF2B5EF4-FFF2-40B4-BE49-F238E27FC236}">
-                <a16:creationId xmlns:a16="http://schemas.microsoft.com/office/drawing/2014/main" id="{70766975-0A73-504B-FFC0-417EFE8BAE01}"/>
+                <a16:creationId xmlns:a16="http://schemas.microsoft.com/office/drawing/2014/main" id="{38D668D1-C348-9051-9802-DF58E8DE16DB}"/>
               </a:ext>
             </a:extLst>
           </p:cNvPr>
@@ -2286,7 +2286,7 @@
           <p:cNvPr id="4" name="文本占位符 3">
             <a:extLst>
               <a:ext uri="{FF2B5EF4-FFF2-40B4-BE49-F238E27FC236}">
-                <a16:creationId xmlns:a16="http://schemas.microsoft.com/office/drawing/2014/main" id="{CB67F557-B64C-E61F-333C-DAB68FA46900}"/>
+                <a16:creationId xmlns:a16="http://schemas.microsoft.com/office/drawing/2014/main" id="{85777545-16E3-F809-1B99-B12FDE5A383C}"/>
               </a:ext>
             </a:extLst>
           </p:cNvPr>
@@ -2357,7 +2357,7 @@
           <p:cNvPr id="5" name="日期占位符 4">
             <a:extLst>
               <a:ext uri="{FF2B5EF4-FFF2-40B4-BE49-F238E27FC236}">
-                <a16:creationId xmlns:a16="http://schemas.microsoft.com/office/drawing/2014/main" id="{F7A18DCA-8E5B-4285-564D-3362FB19D1BA}"/>
+                <a16:creationId xmlns:a16="http://schemas.microsoft.com/office/drawing/2014/main" id="{7DADEC98-03E0-B86F-0160-1870FEB4585E}"/>
               </a:ext>
             </a:extLst>
           </p:cNvPr>
@@ -2373,7 +2373,7 @@
           <a:bodyPr/>
           <a:lstStyle/>
           <a:p>
-            <a:fld id="{78363DEA-8543-4CAB-AAF9-1CF9CA4486DD}" type="datetimeFigureOut">
+            <a:fld id="{777CB5A9-D69A-43F3-9AE9-8300D0A12833}" type="datetimeFigureOut">
               <a:rPr lang="zh-CN" altLang="en-US" smtClean="0"/>
               <a:t>2024/3/10</a:t>
             </a:fld>
@@ -2386,7 +2386,7 @@
           <p:cNvPr id="6" name="页脚占位符 5">
             <a:extLst>
               <a:ext uri="{FF2B5EF4-FFF2-40B4-BE49-F238E27FC236}">
-                <a16:creationId xmlns:a16="http://schemas.microsoft.com/office/drawing/2014/main" id="{7B9B576A-719F-19D4-6E0F-3AD21F726F5A}"/>
+                <a16:creationId xmlns:a16="http://schemas.microsoft.com/office/drawing/2014/main" id="{D8A48D7A-6F3F-86DB-6FD0-CA328D86C563}"/>
               </a:ext>
             </a:extLst>
           </p:cNvPr>
@@ -2411,7 +2411,7 @@
           <p:cNvPr id="7" name="灯片编号占位符 6">
             <a:extLst>
               <a:ext uri="{FF2B5EF4-FFF2-40B4-BE49-F238E27FC236}">
-                <a16:creationId xmlns:a16="http://schemas.microsoft.com/office/drawing/2014/main" id="{24C7F75E-FFD0-BB4E-1907-DCD703D364D0}"/>
+                <a16:creationId xmlns:a16="http://schemas.microsoft.com/office/drawing/2014/main" id="{2A6C1017-4243-ADA4-6EB1-EAB7E14EA948}"/>
               </a:ext>
             </a:extLst>
           </p:cNvPr>
@@ -2427,7 +2427,7 @@
           <a:bodyPr/>
           <a:lstStyle/>
           <a:p>
-            <a:fld id="{514BFBC7-DD1C-4F0E-B0AA-3DC711657F51}" type="slidenum">
+            <a:fld id="{D9393ECC-3885-4978-8938-521C76BCBBA2}" type="slidenum">
               <a:rPr lang="zh-CN" altLang="en-US" smtClean="0"/>
               <a:t>‹#›</a:t>
             </a:fld>
@@ -2438,7 +2438,7 @@
     </p:spTree>
     <p:extLst>
       <p:ext uri="{BB962C8B-B14F-4D97-AF65-F5344CB8AC3E}">
-        <p14:creationId xmlns:p14="http://schemas.microsoft.com/office/powerpoint/2010/main" val="271954184"/>
+        <p14:creationId xmlns:p14="http://schemas.microsoft.com/office/powerpoint/2010/main" val="2495042956"/>
       </p:ext>
     </p:extLst>
   </p:cSld>
@@ -2470,7 +2470,7 @@
           <p:cNvPr id="2" name="标题 1">
             <a:extLst>
               <a:ext uri="{FF2B5EF4-FFF2-40B4-BE49-F238E27FC236}">
-                <a16:creationId xmlns:a16="http://schemas.microsoft.com/office/drawing/2014/main" id="{00DDECB2-690C-D4D0-1302-83819C3BB561}"/>
+                <a16:creationId xmlns:a16="http://schemas.microsoft.com/office/drawing/2014/main" id="{EACE663C-CBB1-265B-92D0-EA2E387E4E43}"/>
               </a:ext>
             </a:extLst>
           </p:cNvPr>
@@ -2507,7 +2507,7 @@
           <p:cNvPr id="3" name="图片占位符 2">
             <a:extLst>
               <a:ext uri="{FF2B5EF4-FFF2-40B4-BE49-F238E27FC236}">
-                <a16:creationId xmlns:a16="http://schemas.microsoft.com/office/drawing/2014/main" id="{B0003B65-DD16-6D4B-8444-EEFE4783154D}"/>
+                <a16:creationId xmlns:a16="http://schemas.microsoft.com/office/drawing/2014/main" id="{B3B81330-5915-D937-A67E-EDCA9CDDCB0B}"/>
               </a:ext>
             </a:extLst>
           </p:cNvPr>
@@ -2574,7 +2574,7 @@
           <p:cNvPr id="4" name="文本占位符 3">
             <a:extLst>
               <a:ext uri="{FF2B5EF4-FFF2-40B4-BE49-F238E27FC236}">
-                <a16:creationId xmlns:a16="http://schemas.microsoft.com/office/drawing/2014/main" id="{EF7F16C0-6EEF-FC51-F33D-6181066E15A3}"/>
+                <a16:creationId xmlns:a16="http://schemas.microsoft.com/office/drawing/2014/main" id="{B797136D-25EF-18A1-FBB9-2B40AF673C10}"/>
               </a:ext>
             </a:extLst>
           </p:cNvPr>
@@ -2645,7 +2645,7 @@
           <p:cNvPr id="5" name="日期占位符 4">
             <a:extLst>
               <a:ext uri="{FF2B5EF4-FFF2-40B4-BE49-F238E27FC236}">
-                <a16:creationId xmlns:a16="http://schemas.microsoft.com/office/drawing/2014/main" id="{89C56CB7-B07C-CB69-E1EC-BD360ED18A97}"/>
+                <a16:creationId xmlns:a16="http://schemas.microsoft.com/office/drawing/2014/main" id="{C9BC1B4E-094D-AE4C-264C-B57F9E183304}"/>
               </a:ext>
             </a:extLst>
           </p:cNvPr>
@@ -2661,7 +2661,7 @@
           <a:bodyPr/>
           <a:lstStyle/>
           <a:p>
-            <a:fld id="{78363DEA-8543-4CAB-AAF9-1CF9CA4486DD}" type="datetimeFigureOut">
+            <a:fld id="{777CB5A9-D69A-43F3-9AE9-8300D0A12833}" type="datetimeFigureOut">
               <a:rPr lang="zh-CN" altLang="en-US" smtClean="0"/>
               <a:t>2024/3/10</a:t>
             </a:fld>
@@ -2674,7 +2674,7 @@
           <p:cNvPr id="6" name="页脚占位符 5">
             <a:extLst>
               <a:ext uri="{FF2B5EF4-FFF2-40B4-BE49-F238E27FC236}">
-                <a16:creationId xmlns:a16="http://schemas.microsoft.com/office/drawing/2014/main" id="{1D654F7D-A838-9BA4-3643-63E86E7C5AE4}"/>
+                <a16:creationId xmlns:a16="http://schemas.microsoft.com/office/drawing/2014/main" id="{9417C28C-B547-3FF7-D749-B2B118F55634}"/>
               </a:ext>
             </a:extLst>
           </p:cNvPr>
@@ -2699,7 +2699,7 @@
           <p:cNvPr id="7" name="灯片编号占位符 6">
             <a:extLst>
               <a:ext uri="{FF2B5EF4-FFF2-40B4-BE49-F238E27FC236}">
-                <a16:creationId xmlns:a16="http://schemas.microsoft.com/office/drawing/2014/main" id="{DAFFD7B6-2ACA-B847-0C5E-C34D39A8A855}"/>
+                <a16:creationId xmlns:a16="http://schemas.microsoft.com/office/drawing/2014/main" id="{793D82D5-7EDD-2A7E-876D-50A02D794A27}"/>
               </a:ext>
             </a:extLst>
           </p:cNvPr>
@@ -2715,7 +2715,7 @@
           <a:bodyPr/>
           <a:lstStyle/>
           <a:p>
-            <a:fld id="{514BFBC7-DD1C-4F0E-B0AA-3DC711657F51}" type="slidenum">
+            <a:fld id="{D9393ECC-3885-4978-8938-521C76BCBBA2}" type="slidenum">
               <a:rPr lang="zh-CN" altLang="en-US" smtClean="0"/>
               <a:t>‹#›</a:t>
             </a:fld>
@@ -2726,7 +2726,7 @@
     </p:spTree>
     <p:extLst>
       <p:ext uri="{BB962C8B-B14F-4D97-AF65-F5344CB8AC3E}">
-        <p14:creationId xmlns:p14="http://schemas.microsoft.com/office/powerpoint/2010/main" val="2786908189"/>
+        <p14:creationId xmlns:p14="http://schemas.microsoft.com/office/powerpoint/2010/main" val="524248140"/>
       </p:ext>
     </p:extLst>
   </p:cSld>
@@ -2763,7 +2763,7 @@
           <p:cNvPr id="2" name="标题占位符 1">
             <a:extLst>
               <a:ext uri="{FF2B5EF4-FFF2-40B4-BE49-F238E27FC236}">
-                <a16:creationId xmlns:a16="http://schemas.microsoft.com/office/drawing/2014/main" id="{E4984EBB-9BEB-7A94-455B-3675FAC25DB3}"/>
+                <a16:creationId xmlns:a16="http://schemas.microsoft.com/office/drawing/2014/main" id="{FFDA327C-4571-5EF0-F784-95D9BFBAF1B4}"/>
               </a:ext>
             </a:extLst>
           </p:cNvPr>
@@ -2801,7 +2801,7 @@
           <p:cNvPr id="3" name="文本占位符 2">
             <a:extLst>
               <a:ext uri="{FF2B5EF4-FFF2-40B4-BE49-F238E27FC236}">
-                <a16:creationId xmlns:a16="http://schemas.microsoft.com/office/drawing/2014/main" id="{4F912750-4B76-3A93-B926-A4ADD03AC59B}"/>
+                <a16:creationId xmlns:a16="http://schemas.microsoft.com/office/drawing/2014/main" id="{82CEF0EC-539C-D9A8-CDC3-C9EA49170521}"/>
               </a:ext>
             </a:extLst>
           </p:cNvPr>
@@ -2868,7 +2868,7 @@
           <p:cNvPr id="4" name="日期占位符 3">
             <a:extLst>
               <a:ext uri="{FF2B5EF4-FFF2-40B4-BE49-F238E27FC236}">
-                <a16:creationId xmlns:a16="http://schemas.microsoft.com/office/drawing/2014/main" id="{6A971581-1152-B11A-9D6B-8F32F1705A46}"/>
+                <a16:creationId xmlns:a16="http://schemas.microsoft.com/office/drawing/2014/main" id="{2929666C-1814-2F75-34FB-5F65D7B6FA02}"/>
               </a:ext>
             </a:extLst>
           </p:cNvPr>
@@ -2902,7 +2902,7 @@
             </a:lvl1pPr>
           </a:lstStyle>
           <a:p>
-            <a:fld id="{78363DEA-8543-4CAB-AAF9-1CF9CA4486DD}" type="datetimeFigureOut">
+            <a:fld id="{777CB5A9-D69A-43F3-9AE9-8300D0A12833}" type="datetimeFigureOut">
               <a:rPr lang="zh-CN" altLang="en-US" smtClean="0"/>
               <a:t>2024/3/10</a:t>
             </a:fld>
@@ -2915,7 +2915,7 @@
           <p:cNvPr id="5" name="页脚占位符 4">
             <a:extLst>
               <a:ext uri="{FF2B5EF4-FFF2-40B4-BE49-F238E27FC236}">
-                <a16:creationId xmlns:a16="http://schemas.microsoft.com/office/drawing/2014/main" id="{74CF2E2B-3F1C-7F67-0215-68698AF75E0A}"/>
+                <a16:creationId xmlns:a16="http://schemas.microsoft.com/office/drawing/2014/main" id="{6B26798E-412D-3F56-A2C7-3F46F47F8E56}"/>
               </a:ext>
             </a:extLst>
           </p:cNvPr>
@@ -2958,7 +2958,7 @@
           <p:cNvPr id="6" name="灯片编号占位符 5">
             <a:extLst>
               <a:ext uri="{FF2B5EF4-FFF2-40B4-BE49-F238E27FC236}">
-                <a16:creationId xmlns:a16="http://schemas.microsoft.com/office/drawing/2014/main" id="{684B3A4A-F262-EF8C-5FFB-E1CEA616132B}"/>
+                <a16:creationId xmlns:a16="http://schemas.microsoft.com/office/drawing/2014/main" id="{A818C1EB-C5F5-FD98-65F0-5F2F7127BF41}"/>
               </a:ext>
             </a:extLst>
           </p:cNvPr>
@@ -2992,7 +2992,7 @@
             </a:lvl1pPr>
           </a:lstStyle>
           <a:p>
-            <a:fld id="{514BFBC7-DD1C-4F0E-B0AA-3DC711657F51}" type="slidenum">
+            <a:fld id="{D9393ECC-3885-4978-8938-521C76BCBBA2}" type="slidenum">
               <a:rPr lang="zh-CN" altLang="en-US" smtClean="0"/>
               <a:t>‹#›</a:t>
             </a:fld>
@@ -3003,7 +3003,7 @@
     </p:spTree>
     <p:extLst>
       <p:ext uri="{BB962C8B-B14F-4D97-AF65-F5344CB8AC3E}">
-        <p14:creationId xmlns:p14="http://schemas.microsoft.com/office/powerpoint/2010/main" val="4043613411"/>
+        <p14:creationId xmlns:p14="http://schemas.microsoft.com/office/powerpoint/2010/main" val="1621640429"/>
       </p:ext>
     </p:extLst>
   </p:cSld>
@@ -3323,7 +3323,7 @@
       </p:grpSpPr>
       <p:pic>
         <p:nvPicPr>
-          <p:cNvPr id="1314818" name="Picture 2" descr="1283"/>
+          <p:cNvPr id="1315842" name="Picture 2" descr="1284"/>
           <p:cNvPicPr>
             <a:picLocks noChangeAspect="1" noChangeArrowheads="1"/>
           </p:cNvPicPr>
@@ -3344,8 +3344,8 @@
         </p:blipFill>
         <p:spPr bwMode="auto">
           <a:xfrm>
-            <a:off x="1524000" y="0"/>
-            <a:ext cx="9144000" cy="6858000"/>
+            <a:off x="1524000" y="1"/>
+            <a:ext cx="9144000" cy="3789363"/>
           </a:xfrm>
           <a:prstGeom prst="rect">
             <a:avLst/>
